--- a/apuntes/3Pipes.pptx
+++ b/apuntes/3Pipes.pptx
@@ -14,6 +14,8 @@
     <p:sldId id="262" r:id="rId8"/>
     <p:sldId id="263" r:id="rId9"/>
     <p:sldId id="264" r:id="rId10"/>
+    <p:sldId id="265" r:id="rId11"/>
+    <p:sldId id="266" r:id="rId12"/>
   </p:sldIdLst>
   <p:sldSz cx="9144000" cy="6858000" type="screen4x3"/>
   <p:notesSz cx="6858000" cy="9144000"/>
@@ -297,7 +299,7 @@
             <a:fld id="{7A847CFC-816F-41D0-AAC0-9BF4FEBC753E}" type="datetimeFigureOut">
               <a:rPr lang="es-ES" smtClean="0"/>
               <a:pPr/>
-              <a:t>25/10/2019</a:t>
+              <a:t>28/10/2019</a:t>
             </a:fld>
             <a:endParaRPr lang="es-ES"/>
           </a:p>
@@ -464,7 +466,7 @@
             <a:fld id="{7A847CFC-816F-41D0-AAC0-9BF4FEBC753E}" type="datetimeFigureOut">
               <a:rPr lang="es-ES" smtClean="0"/>
               <a:pPr/>
-              <a:t>25/10/2019</a:t>
+              <a:t>28/10/2019</a:t>
             </a:fld>
             <a:endParaRPr lang="es-ES"/>
           </a:p>
@@ -641,7 +643,7 @@
             <a:fld id="{7A847CFC-816F-41D0-AAC0-9BF4FEBC753E}" type="datetimeFigureOut">
               <a:rPr lang="es-ES" smtClean="0"/>
               <a:pPr/>
-              <a:t>25/10/2019</a:t>
+              <a:t>28/10/2019</a:t>
             </a:fld>
             <a:endParaRPr lang="es-ES"/>
           </a:p>
@@ -808,7 +810,7 @@
             <a:fld id="{7A847CFC-816F-41D0-AAC0-9BF4FEBC753E}" type="datetimeFigureOut">
               <a:rPr lang="es-ES" smtClean="0"/>
               <a:pPr/>
-              <a:t>25/10/2019</a:t>
+              <a:t>28/10/2019</a:t>
             </a:fld>
             <a:endParaRPr lang="es-ES"/>
           </a:p>
@@ -1051,7 +1053,7 @@
             <a:fld id="{7A847CFC-816F-41D0-AAC0-9BF4FEBC753E}" type="datetimeFigureOut">
               <a:rPr lang="es-ES" smtClean="0"/>
               <a:pPr/>
-              <a:t>25/10/2019</a:t>
+              <a:t>28/10/2019</a:t>
             </a:fld>
             <a:endParaRPr lang="es-ES"/>
           </a:p>
@@ -1336,7 +1338,7 @@
             <a:fld id="{7A847CFC-816F-41D0-AAC0-9BF4FEBC753E}" type="datetimeFigureOut">
               <a:rPr lang="es-ES" smtClean="0"/>
               <a:pPr/>
-              <a:t>25/10/2019</a:t>
+              <a:t>28/10/2019</a:t>
             </a:fld>
             <a:endParaRPr lang="es-ES"/>
           </a:p>
@@ -1755,7 +1757,7 @@
             <a:fld id="{7A847CFC-816F-41D0-AAC0-9BF4FEBC753E}" type="datetimeFigureOut">
               <a:rPr lang="es-ES" smtClean="0"/>
               <a:pPr/>
-              <a:t>25/10/2019</a:t>
+              <a:t>28/10/2019</a:t>
             </a:fld>
             <a:endParaRPr lang="es-ES"/>
           </a:p>
@@ -1870,7 +1872,7 @@
             <a:fld id="{7A847CFC-816F-41D0-AAC0-9BF4FEBC753E}" type="datetimeFigureOut">
               <a:rPr lang="es-ES" smtClean="0"/>
               <a:pPr/>
-              <a:t>25/10/2019</a:t>
+              <a:t>28/10/2019</a:t>
             </a:fld>
             <a:endParaRPr lang="es-ES"/>
           </a:p>
@@ -1962,7 +1964,7 @@
             <a:fld id="{7A847CFC-816F-41D0-AAC0-9BF4FEBC753E}" type="datetimeFigureOut">
               <a:rPr lang="es-ES" smtClean="0"/>
               <a:pPr/>
-              <a:t>25/10/2019</a:t>
+              <a:t>28/10/2019</a:t>
             </a:fld>
             <a:endParaRPr lang="es-ES"/>
           </a:p>
@@ -2236,7 +2238,7 @@
             <a:fld id="{7A847CFC-816F-41D0-AAC0-9BF4FEBC753E}" type="datetimeFigureOut">
               <a:rPr lang="es-ES" smtClean="0"/>
               <a:pPr/>
-              <a:t>25/10/2019</a:t>
+              <a:t>28/10/2019</a:t>
             </a:fld>
             <a:endParaRPr lang="es-ES"/>
           </a:p>
@@ -2486,7 +2488,7 @@
             <a:fld id="{7A847CFC-816F-41D0-AAC0-9BF4FEBC753E}" type="datetimeFigureOut">
               <a:rPr lang="es-ES" smtClean="0"/>
               <a:pPr/>
-              <a:t>25/10/2019</a:t>
+              <a:t>28/10/2019</a:t>
             </a:fld>
             <a:endParaRPr lang="es-ES"/>
           </a:p>
@@ -2696,7 +2698,7 @@
             <a:fld id="{7A847CFC-816F-41D0-AAC0-9BF4FEBC753E}" type="datetimeFigureOut">
               <a:rPr lang="es-ES" smtClean="0"/>
               <a:pPr/>
-              <a:t>25/10/2019</a:t>
+              <a:t>28/10/2019</a:t>
             </a:fld>
             <a:endParaRPr lang="es-ES"/>
           </a:p>
@@ -3128,6 +3130,248 @@
           <a:xfrm>
             <a:off x="1835696" y="3789040"/>
             <a:ext cx="5800725" cy="2200275"/>
+          </a:xfrm>
+          <a:prstGeom prst="rect">
+            <a:avLst/>
+          </a:prstGeom>
+          <a:noFill/>
+          <a:ln w="9525">
+            <a:noFill/>
+            <a:miter lim="800000"/>
+            <a:headEnd/>
+            <a:tailEnd/>
+          </a:ln>
+        </p:spPr>
+      </p:pic>
+    </p:spTree>
+  </p:cSld>
+  <p:clrMapOvr>
+    <a:masterClrMapping/>
+  </p:clrMapOvr>
+</p:sld>
+</file>
+
+<file path=ppt/slides/slide10.xml><?xml version="1.0" encoding="utf-8"?>
+<p:sld xmlns:a="http://schemas.openxmlformats.org/drawingml/2006/main" xmlns:r="http://schemas.openxmlformats.org/officeDocument/2006/relationships" xmlns:p="http://schemas.openxmlformats.org/presentationml/2006/main">
+  <p:cSld>
+    <p:spTree>
+      <p:nvGrpSpPr>
+        <p:cNvPr id="1" name=""/>
+        <p:cNvGrpSpPr/>
+        <p:nvPr/>
+      </p:nvGrpSpPr>
+      <p:grpSpPr>
+        <a:xfrm>
+          <a:off x="0" y="0"/>
+          <a:ext cx="0" cy="0"/>
+          <a:chOff x="0" y="0"/>
+          <a:chExt cx="0" cy="0"/>
+        </a:xfrm>
+      </p:grpSpPr>
+      <p:sp>
+        <p:nvSpPr>
+          <p:cNvPr id="2" name="1 Título"/>
+          <p:cNvSpPr>
+            <a:spLocks noGrp="1"/>
+          </p:cNvSpPr>
+          <p:nvPr>
+            <p:ph type="title"/>
+          </p:nvPr>
+        </p:nvSpPr>
+        <p:spPr/>
+        <p:txBody>
+          <a:bodyPr>
+            <a:normAutofit/>
+          </a:bodyPr>
+          <a:lstStyle/>
+          <a:p>
+            <a:r>
+              <a:rPr lang="es-GT" dirty="0" smtClean="0"/>
+              <a:t>Pipe para incluir </a:t>
+            </a:r>
+            <a:r>
+              <a:rPr lang="es-GT" dirty="0" err="1" smtClean="0"/>
+              <a:t>iframe</a:t>
+            </a:r>
+            <a:r>
+              <a:rPr lang="es-GT" dirty="0" smtClean="0"/>
+              <a:t> (</a:t>
+            </a:r>
+            <a:r>
+              <a:rPr lang="es-GT" dirty="0" err="1" smtClean="0"/>
+              <a:t>youtube</a:t>
+            </a:r>
+            <a:r>
+              <a:rPr lang="es-GT" dirty="0" smtClean="0"/>
+              <a:t>)</a:t>
+            </a:r>
+            <a:endParaRPr lang="es-ES" dirty="0"/>
+          </a:p>
+        </p:txBody>
+      </p:sp>
+      <p:pic>
+        <p:nvPicPr>
+          <p:cNvPr id="1026" name="Picture 2"/>
+          <p:cNvPicPr>
+            <a:picLocks noGrp="1" noChangeAspect="1" noChangeArrowheads="1"/>
+          </p:cNvPicPr>
+          <p:nvPr>
+            <p:ph idx="1"/>
+          </p:nvPr>
+        </p:nvPicPr>
+        <p:blipFill>
+          <a:blip r:embed="rId2" cstate="print"/>
+          <a:srcRect/>
+          <a:stretch>
+            <a:fillRect/>
+          </a:stretch>
+        </p:blipFill>
+        <p:spPr bwMode="auto">
+          <a:xfrm>
+            <a:off x="1331640" y="1844824"/>
+            <a:ext cx="6553200" cy="628650"/>
+          </a:xfrm>
+          <a:prstGeom prst="rect">
+            <a:avLst/>
+          </a:prstGeom>
+          <a:noFill/>
+          <a:ln w="9525">
+            <a:noFill/>
+            <a:miter lim="800000"/>
+            <a:headEnd/>
+            <a:tailEnd/>
+          </a:ln>
+        </p:spPr>
+      </p:pic>
+      <p:pic>
+        <p:nvPicPr>
+          <p:cNvPr id="1027" name="Picture 3"/>
+          <p:cNvPicPr>
+            <a:picLocks noChangeAspect="1" noChangeArrowheads="1"/>
+          </p:cNvPicPr>
+          <p:nvPr/>
+        </p:nvPicPr>
+        <p:blipFill>
+          <a:blip r:embed="rId3" cstate="print"/>
+          <a:srcRect l="8669"/>
+          <a:stretch>
+            <a:fillRect/>
+          </a:stretch>
+        </p:blipFill>
+        <p:spPr bwMode="auto">
+          <a:xfrm>
+            <a:off x="251520" y="2996952"/>
+            <a:ext cx="8751515" cy="533400"/>
+          </a:xfrm>
+          <a:prstGeom prst="rect">
+            <a:avLst/>
+          </a:prstGeom>
+          <a:noFill/>
+          <a:ln w="9525">
+            <a:noFill/>
+            <a:miter lim="800000"/>
+            <a:headEnd/>
+            <a:tailEnd/>
+          </a:ln>
+        </p:spPr>
+      </p:pic>
+      <p:pic>
+        <p:nvPicPr>
+          <p:cNvPr id="1028" name="Picture 4"/>
+          <p:cNvPicPr>
+            <a:picLocks noChangeAspect="1" noChangeArrowheads="1"/>
+          </p:cNvPicPr>
+          <p:nvPr/>
+        </p:nvPicPr>
+        <p:blipFill>
+          <a:blip r:embed="rId4" cstate="print"/>
+          <a:srcRect/>
+          <a:stretch>
+            <a:fillRect/>
+          </a:stretch>
+        </p:blipFill>
+        <p:spPr bwMode="auto">
+          <a:xfrm>
+            <a:off x="1259632" y="4149080"/>
+            <a:ext cx="6410325" cy="1933575"/>
+          </a:xfrm>
+          <a:prstGeom prst="rect">
+            <a:avLst/>
+          </a:prstGeom>
+          <a:noFill/>
+          <a:ln w="9525">
+            <a:noFill/>
+            <a:miter lim="800000"/>
+            <a:headEnd/>
+            <a:tailEnd/>
+          </a:ln>
+        </p:spPr>
+      </p:pic>
+    </p:spTree>
+  </p:cSld>
+  <p:clrMapOvr>
+    <a:masterClrMapping/>
+  </p:clrMapOvr>
+</p:sld>
+</file>
+
+<file path=ppt/slides/slide11.xml><?xml version="1.0" encoding="utf-8"?>
+<p:sld xmlns:a="http://schemas.openxmlformats.org/drawingml/2006/main" xmlns:r="http://schemas.openxmlformats.org/officeDocument/2006/relationships" xmlns:p="http://schemas.openxmlformats.org/presentationml/2006/main">
+  <p:cSld>
+    <p:spTree>
+      <p:nvGrpSpPr>
+        <p:cNvPr id="1" name=""/>
+        <p:cNvGrpSpPr/>
+        <p:nvPr/>
+      </p:nvGrpSpPr>
+      <p:grpSpPr>
+        <a:xfrm>
+          <a:off x="0" y="0"/>
+          <a:ext cx="0" cy="0"/>
+          <a:chOff x="0" y="0"/>
+          <a:chExt cx="0" cy="0"/>
+        </a:xfrm>
+      </p:grpSpPr>
+      <p:sp>
+        <p:nvSpPr>
+          <p:cNvPr id="2" name="1 Título"/>
+          <p:cNvSpPr>
+            <a:spLocks noGrp="1"/>
+          </p:cNvSpPr>
+          <p:nvPr>
+            <p:ph type="title"/>
+          </p:nvPr>
+        </p:nvSpPr>
+        <p:spPr/>
+        <p:txBody>
+          <a:bodyPr/>
+          <a:lstStyle/>
+          <a:p>
+            <a:endParaRPr lang="es-ES"/>
+          </a:p>
+        </p:txBody>
+      </p:sp>
+      <p:pic>
+        <p:nvPicPr>
+          <p:cNvPr id="2050" name="Picture 2"/>
+          <p:cNvPicPr>
+            <a:picLocks noGrp="1" noChangeAspect="1" noChangeArrowheads="1"/>
+          </p:cNvPicPr>
+          <p:nvPr>
+            <p:ph idx="1"/>
+          </p:nvPr>
+        </p:nvPicPr>
+        <p:blipFill>
+          <a:blip r:embed="rId2" cstate="print"/>
+          <a:srcRect/>
+          <a:stretch>
+            <a:fillRect/>
+          </a:stretch>
+        </p:blipFill>
+        <p:spPr bwMode="auto">
+          <a:xfrm>
+            <a:off x="1547664" y="1700808"/>
+            <a:ext cx="6019800" cy="1428750"/>
           </a:xfrm>
           <a:prstGeom prst="rect">
             <a:avLst/>
